--- a/sample/barchart1.pptx
+++ b/sample/barchart1.pptx
@@ -4455,7 +4455,7 @@
               </a:spcAft>
             </a:pPr>
             <a:r>
-              <a:rPr sz="1687" b="1" i="0" u="none">
+              <a:rPr sz="2250" b="1" i="0" u="none">
                 <a:solidFill>
                   <a:srgbClr val="000000"/>
                 </a:solidFill>
